--- a/Time-Card/ДОКУМЕНТЫ/МАТЕРИАЛ СТАТЬИ/ВРЕМЯ ЧЕРЕЗ ТВ И 5G.pptx
+++ b/Time-Card/ДОКУМЕНТЫ/МАТЕРИАЛ СТАТЬИ/ВРЕМЯ ЧЕРЕЗ ТВ И 5G.pptx
@@ -295,7 +295,7 @@
           <a:p>
             <a:fld id="{1D8BD707-D9CF-40AE-B4C6-C98DA3205C09}" type="datetimeFigureOut">
               <a:rPr lang="en-US"/>
-              <a:t>6/18/2024</a:t>
+              <a:t>10/28/2024</a:t>
             </a:fld>
             <a:endParaRPr lang="en-US"/>
           </a:p>
@@ -478,7 +478,7 @@
           <a:p>
             <a:fld id="{1D8BD707-D9CF-40AE-B4C6-C98DA3205C09}" type="datetimeFigureOut">
               <a:rPr lang="en-US"/>
-              <a:t>6/18/2024</a:t>
+              <a:t>10/28/2024</a:t>
             </a:fld>
             <a:endParaRPr lang="en-US"/>
           </a:p>
@@ -698,7 +698,7 @@
           <a:p>
             <a:fld id="{1D8BD707-D9CF-40AE-B4C6-C98DA3205C09}" type="datetimeFigureOut">
               <a:rPr lang="en-US"/>
-              <a:t>6/18/2024</a:t>
+              <a:t>10/28/2024</a:t>
             </a:fld>
             <a:endParaRPr lang="en-US"/>
           </a:p>
@@ -852,7 +852,7 @@
           <a:p>
             <a:fld id="{1D8BD707-D9CF-40AE-B4C6-C98DA3205C09}" type="datetimeFigureOut">
               <a:rPr lang="en-US"/>
-              <a:t>6/18/2024</a:t>
+              <a:t>10/28/2024</a:t>
             </a:fld>
             <a:endParaRPr lang="en-US"/>
           </a:p>
@@ -977,7 +977,7 @@
           <a:p>
             <a:fld id="{1D8BD707-D9CF-40AE-B4C6-C98DA3205C09}" type="datetimeFigureOut">
               <a:rPr lang="en-US"/>
-              <a:t>6/18/2024</a:t>
+              <a:t>10/28/2024</a:t>
             </a:fld>
             <a:endParaRPr lang="en-US"/>
           </a:p>
@@ -1230,7 +1230,7 @@
           <a:p>
             <a:fld id="{1D8BD707-D9CF-40AE-B4C6-C98DA3205C09}" type="datetimeFigureOut">
               <a:rPr lang="en-US"/>
-              <a:t>6/18/2024</a:t>
+              <a:t>10/28/2024</a:t>
             </a:fld>
             <a:endParaRPr lang="en-US"/>
           </a:p>
@@ -1501,7 +1501,7 @@
           <a:bodyPr wrap="square" lIns="0" tIns="0" rIns="0" bIns="0" rtlCol="0"/>
           <a:lstStyle/>
           <a:p>
-            <a:endParaRPr/>
+            <a:endParaRPr dirty="0"/>
           </a:p>
         </p:txBody>
       </p:sp>
@@ -1513,10 +1513,10 @@
         </p:nvGrpSpPr>
         <p:grpSpPr>
           <a:xfrm>
-            <a:off x="359663" y="6860"/>
-            <a:ext cx="8781415" cy="5133340"/>
+            <a:off x="533401" y="6860"/>
+            <a:ext cx="8607902" cy="5133565"/>
             <a:chOff x="359663" y="6860"/>
-            <a:chExt cx="8781415" cy="5133340"/>
+            <a:chExt cx="8781640" cy="5133565"/>
           </a:xfrm>
         </p:grpSpPr>
         <p:sp>
@@ -2323,7 +2323,7 @@
         </p:sp>
         <p:pic>
           <p:nvPicPr>
-            <p:cNvPr id="9" name="object 9"/>
+            <p:cNvPr id="10" name="object 10"/>
             <p:cNvPicPr/>
             <p:nvPr/>
           </p:nvPicPr>
@@ -2335,74 +2335,8 @@
           </p:blipFill>
           <p:spPr>
             <a:xfrm>
-              <a:off x="360080" y="3998967"/>
-              <a:ext cx="2326037" cy="166627"/>
-            </a:xfrm>
-            <a:prstGeom prst="rect">
-              <a:avLst/>
-            </a:prstGeom>
-          </p:spPr>
-        </p:pic>
-        <p:pic>
-          <p:nvPicPr>
-            <p:cNvPr id="10" name="object 10"/>
-            <p:cNvPicPr/>
-            <p:nvPr/>
-          </p:nvPicPr>
-          <p:blipFill>
-            <a:blip r:embed="rId3" cstate="print"/>
-            <a:stretch>
-              <a:fillRect/>
-            </a:stretch>
-          </p:blipFill>
-          <p:spPr>
-            <a:xfrm>
               <a:off x="359663" y="4317873"/>
               <a:ext cx="127974" cy="149323"/>
-            </a:xfrm>
-            <a:prstGeom prst="rect">
-              <a:avLst/>
-            </a:prstGeom>
-          </p:spPr>
-        </p:pic>
-        <p:pic>
-          <p:nvPicPr>
-            <p:cNvPr id="11" name="object 11"/>
-            <p:cNvPicPr/>
-            <p:nvPr/>
-          </p:nvPicPr>
-          <p:blipFill>
-            <a:blip r:embed="rId4" cstate="print"/>
-            <a:stretch>
-              <a:fillRect/>
-            </a:stretch>
-          </p:blipFill>
-          <p:spPr>
-            <a:xfrm>
-              <a:off x="511395" y="4360894"/>
-              <a:ext cx="69626" cy="107988"/>
-            </a:xfrm>
-            <a:prstGeom prst="rect">
-              <a:avLst/>
-            </a:prstGeom>
-          </p:spPr>
-        </p:pic>
-        <p:pic>
-          <p:nvPicPr>
-            <p:cNvPr id="12" name="object 12"/>
-            <p:cNvPicPr/>
-            <p:nvPr/>
-          </p:nvPicPr>
-          <p:blipFill>
-            <a:blip r:embed="rId5" cstate="print"/>
-            <a:stretch>
-              <a:fillRect/>
-            </a:stretch>
-          </p:blipFill>
-          <p:spPr>
-            <a:xfrm>
-              <a:off x="607272" y="4317873"/>
-              <a:ext cx="147159" cy="151432"/>
             </a:xfrm>
             <a:prstGeom prst="rect">
               <a:avLst/>
@@ -2484,7 +2418,7 @@
             <p:nvPr/>
           </p:nvPicPr>
           <p:blipFill>
-            <a:blip r:embed="rId6" cstate="print"/>
+            <a:blip r:embed="rId3" cstate="print"/>
             <a:stretch>
               <a:fillRect/>
             </a:stretch>
@@ -2493,28 +2427,6 @@
             <a:xfrm>
               <a:off x="862803" y="4317873"/>
               <a:ext cx="71698" cy="151010"/>
-            </a:xfrm>
-            <a:prstGeom prst="rect">
-              <a:avLst/>
-            </a:prstGeom>
-          </p:spPr>
-        </p:pic>
-        <p:pic>
-          <p:nvPicPr>
-            <p:cNvPr id="15" name="object 15"/>
-            <p:cNvPicPr/>
-            <p:nvPr/>
-          </p:nvPicPr>
-          <p:blipFill>
-            <a:blip r:embed="rId7" cstate="print"/>
-            <a:stretch>
-              <a:fillRect/>
-            </a:stretch>
-          </p:blipFill>
-          <p:spPr>
-            <a:xfrm>
-              <a:off x="957019" y="4360894"/>
-              <a:ext cx="156316" cy="108410"/>
             </a:xfrm>
             <a:prstGeom prst="rect">
               <a:avLst/>
@@ -2712,28 +2624,6 @@
             </a:p>
           </p:txBody>
         </p:sp>
-        <p:pic>
-          <p:nvPicPr>
-            <p:cNvPr id="17" name="object 17"/>
-            <p:cNvPicPr/>
-            <p:nvPr/>
-          </p:nvPicPr>
-          <p:blipFill>
-            <a:blip r:embed="rId8" cstate="print"/>
-            <a:stretch>
-              <a:fillRect/>
-            </a:stretch>
-          </p:blipFill>
-          <p:spPr>
-            <a:xfrm>
-              <a:off x="1262995" y="4360894"/>
-              <a:ext cx="210098" cy="108410"/>
-            </a:xfrm>
-            <a:prstGeom prst="rect">
-              <a:avLst/>
-            </a:prstGeom>
-          </p:spPr>
-        </p:pic>
         <p:sp>
           <p:nvSpPr>
             <p:cNvPr id="18" name="object 18"/>
@@ -2785,193 +2675,6 @@
           </p:txBody>
         </p:sp>
       </p:grpSp>
-      <p:sp>
-        <p:nvSpPr>
-          <p:cNvPr id="19" name="object 19"/>
-          <p:cNvSpPr txBox="1"/>
-          <p:nvPr/>
-        </p:nvSpPr>
-        <p:spPr>
-          <a:xfrm>
-            <a:off x="347268" y="2863723"/>
-            <a:ext cx="2938145" cy="482600"/>
-          </a:xfrm>
-          <a:prstGeom prst="rect">
-            <a:avLst/>
-          </a:prstGeom>
-        </p:spPr>
-        <p:txBody>
-          <a:bodyPr vert="horz" wrap="square" lIns="0" tIns="12700" rIns="0" bIns="0" rtlCol="0">
-            <a:spAutoFit/>
-          </a:bodyPr>
-          <a:lstStyle/>
-          <a:p>
-            <a:pPr marL="12700">
-              <a:lnSpc>
-                <a:spcPct val="100000"/>
-              </a:lnSpc>
-              <a:spcBef>
-                <a:spcPts val="100"/>
-              </a:spcBef>
-            </a:pPr>
-            <a:r>
-              <a:rPr sz="1500" spc="-5" dirty="0">
-                <a:solidFill>
-                  <a:srgbClr val="FFFFFF"/>
-                </a:solidFill>
-                <a:latin typeface="Arial MT"/>
-                <a:cs typeface="Arial MT"/>
-              </a:rPr>
-              <a:t>S</a:t>
-            </a:r>
-            <a:r>
-              <a:rPr sz="1500" dirty="0">
-                <a:solidFill>
-                  <a:srgbClr val="FFFFFF"/>
-                </a:solidFill>
-                <a:latin typeface="Arial MT"/>
-                <a:cs typeface="Arial MT"/>
-              </a:rPr>
-              <a:t>t</a:t>
-            </a:r>
-            <a:r>
-              <a:rPr sz="1500" spc="5" dirty="0">
-                <a:solidFill>
-                  <a:srgbClr val="FFFFFF"/>
-                </a:solidFill>
-                <a:latin typeface="Arial MT"/>
-                <a:cs typeface="Arial MT"/>
-              </a:rPr>
-              <a:t>e</a:t>
-            </a:r>
-            <a:r>
-              <a:rPr sz="1500" dirty="0">
-                <a:solidFill>
-                  <a:srgbClr val="FFFFFF"/>
-                </a:solidFill>
-                <a:latin typeface="Arial MT"/>
-                <a:cs typeface="Arial MT"/>
-              </a:rPr>
-              <a:t>f</a:t>
-            </a:r>
-            <a:r>
-              <a:rPr sz="1500" spc="5" dirty="0">
-                <a:solidFill>
-                  <a:srgbClr val="FFFFFF"/>
-                </a:solidFill>
-                <a:latin typeface="Arial MT"/>
-                <a:cs typeface="Arial MT"/>
-              </a:rPr>
-              <a:t>a</a:t>
-            </a:r>
-            <a:r>
-              <a:rPr sz="1500" spc="-5" dirty="0">
-                <a:solidFill>
-                  <a:srgbClr val="FFFFFF"/>
-                </a:solidFill>
-                <a:latin typeface="Arial MT"/>
-                <a:cs typeface="Arial MT"/>
-              </a:rPr>
-              <a:t>n</a:t>
-            </a:r>
-            <a:r>
-              <a:rPr sz="1500" spc="-20" dirty="0">
-                <a:solidFill>
-                  <a:srgbClr val="FFFFFF"/>
-                </a:solidFill>
-                <a:latin typeface="Arial MT"/>
-                <a:cs typeface="Arial MT"/>
-              </a:rPr>
-              <a:t> </a:t>
-            </a:r>
-            <a:r>
-              <a:rPr sz="1500" spc="-5" dirty="0">
-                <a:solidFill>
-                  <a:srgbClr val="FFFFFF"/>
-                </a:solidFill>
-                <a:latin typeface="Arial MT"/>
-                <a:cs typeface="Arial MT"/>
-              </a:rPr>
-              <a:t>Mai</a:t>
-            </a:r>
-            <a:r>
-              <a:rPr sz="1500" dirty="0">
-                <a:solidFill>
-                  <a:srgbClr val="FFFFFF"/>
-                </a:solidFill>
-                <a:latin typeface="Arial MT"/>
-                <a:cs typeface="Arial MT"/>
-              </a:rPr>
-              <a:t>er</a:t>
-            </a:r>
-            <a:endParaRPr sz="1500">
-              <a:latin typeface="Arial MT"/>
-              <a:cs typeface="Arial MT"/>
-            </a:endParaRPr>
-          </a:p>
-          <a:p>
-            <a:pPr marL="12700">
-              <a:lnSpc>
-                <a:spcPct val="100000"/>
-              </a:lnSpc>
-            </a:pPr>
-            <a:r>
-              <a:rPr sz="1500" spc="-5" dirty="0">
-                <a:solidFill>
-                  <a:srgbClr val="FFFFFF"/>
-                </a:solidFill>
-                <a:latin typeface="Arial MT"/>
-                <a:cs typeface="Arial MT"/>
-              </a:rPr>
-              <a:t>R&amp;S</a:t>
-            </a:r>
-            <a:r>
-              <a:rPr sz="1500" spc="5" dirty="0">
-                <a:solidFill>
-                  <a:srgbClr val="FFFFFF"/>
-                </a:solidFill>
-                <a:latin typeface="Arial MT"/>
-                <a:cs typeface="Arial MT"/>
-              </a:rPr>
-              <a:t> </a:t>
-            </a:r>
-            <a:r>
-              <a:rPr sz="1500" spc="-5" dirty="0">
-                <a:solidFill>
-                  <a:srgbClr val="FFFFFF"/>
-                </a:solidFill>
-                <a:latin typeface="Arial MT"/>
-                <a:cs typeface="Arial MT"/>
-              </a:rPr>
-              <a:t>Location</a:t>
-            </a:r>
-            <a:r>
-              <a:rPr sz="1500" spc="-30" dirty="0">
-                <a:solidFill>
-                  <a:srgbClr val="FFFFFF"/>
-                </a:solidFill>
-                <a:latin typeface="Arial MT"/>
-                <a:cs typeface="Arial MT"/>
-              </a:rPr>
-              <a:t> </a:t>
-            </a:r>
-            <a:r>
-              <a:rPr sz="1500" spc="-5" dirty="0">
-                <a:solidFill>
-                  <a:srgbClr val="FFFFFF"/>
-                </a:solidFill>
-                <a:latin typeface="Arial MT"/>
-                <a:cs typeface="Arial MT"/>
-              </a:rPr>
-              <a:t>Based Services Lab</a:t>
-            </a:r>
-            <a:endParaRPr sz="1500">
-              <a:latin typeface="Arial MT"/>
-              <a:cs typeface="Arial MT"/>
-            </a:endParaRPr>
-          </a:p>
-        </p:txBody>
-      </p:sp>
       <p:sp>
         <p:nvSpPr>
           <p:cNvPr id="20" name="object 20"/>
@@ -3125,7 +2828,7 @@
           <p:nvPr/>
         </p:nvPicPr>
         <p:blipFill>
-          <a:blip r:embed="rId9" cstate="print"/>
+          <a:blip r:embed="rId4" cstate="print"/>
           <a:stretch>
             <a:fillRect/>
           </a:stretch>
@@ -7853,7 +7556,7 @@
               </a:rPr>
               <a:t>timing</a:t>
             </a:r>
-            <a:endParaRPr sz="1500">
+            <a:endParaRPr sz="1500" dirty="0">
               <a:latin typeface="Arial MT"/>
               <a:cs typeface="Arial MT"/>
             </a:endParaRPr>
@@ -7872,7 +7575,7 @@
               <a:buFont typeface="Arial MT"/>
               <a:buChar char="►"/>
             </a:pPr>
-            <a:endParaRPr sz="2400">
+            <a:endParaRPr sz="2400" dirty="0">
               <a:latin typeface="Arial MT"/>
               <a:cs typeface="Arial MT"/>
             </a:endParaRPr>
@@ -7918,7 +7621,7 @@
               </a:rPr>
               <a:t>PRS</a:t>
             </a:r>
-            <a:endParaRPr sz="1500">
+            <a:endParaRPr sz="1500" dirty="0">
               <a:latin typeface="Arial MT"/>
               <a:cs typeface="Arial MT"/>
             </a:endParaRPr>
@@ -7934,7 +7637,7 @@
               <a:buFont typeface="Arial MT"/>
               <a:buChar char="►"/>
             </a:pPr>
-            <a:endParaRPr sz="2000">
+            <a:endParaRPr sz="2000" dirty="0">
               <a:latin typeface="Arial MT"/>
               <a:cs typeface="Arial MT"/>
             </a:endParaRPr>
@@ -8213,7 +7916,7 @@
               </a:rPr>
               <a:t>mode</a:t>
             </a:r>
-            <a:endParaRPr sz="1500">
+            <a:endParaRPr sz="1500" dirty="0">
               <a:latin typeface="Arial MT"/>
               <a:cs typeface="Arial MT"/>
             </a:endParaRPr>
@@ -32516,74 +32219,6 @@
       </p:sp>
       <p:sp>
         <p:nvSpPr>
-          <p:cNvPr id="3" name="object 3"/>
-          <p:cNvSpPr txBox="1"/>
-          <p:nvPr/>
-        </p:nvSpPr>
-        <p:spPr>
-          <a:xfrm>
-            <a:off x="957783" y="4853527"/>
-            <a:ext cx="1035050" cy="167005"/>
-          </a:xfrm>
-          <a:prstGeom prst="rect">
-            <a:avLst/>
-          </a:prstGeom>
-        </p:spPr>
-        <p:txBody>
-          <a:bodyPr vert="horz" wrap="square" lIns="0" tIns="0" rIns="0" bIns="0" rtlCol="0">
-            <a:spAutoFit/>
-          </a:bodyPr>
-          <a:lstStyle/>
-          <a:p>
-            <a:pPr marL="12700">
-              <a:lnSpc>
-                <a:spcPct val="100000"/>
-              </a:lnSpc>
-            </a:pPr>
-            <a:r>
-              <a:rPr sz="1000" spc="-5" dirty="0">
-                <a:latin typeface="Arial MT"/>
-                <a:cs typeface="Arial MT"/>
-              </a:rPr>
-              <a:t>Rohde</a:t>
-            </a:r>
-            <a:r>
-              <a:rPr sz="1000" spc="-45" dirty="0">
-                <a:latin typeface="Arial MT"/>
-                <a:cs typeface="Arial MT"/>
-              </a:rPr>
-              <a:t> </a:t>
-            </a:r>
-            <a:r>
-              <a:rPr sz="1000" spc="-5" dirty="0">
-                <a:latin typeface="Arial MT"/>
-                <a:cs typeface="Arial MT"/>
-              </a:rPr>
-              <a:t>&amp;</a:t>
-            </a:r>
-            <a:r>
-              <a:rPr sz="1000" spc="-45" dirty="0">
-                <a:latin typeface="Arial MT"/>
-                <a:cs typeface="Arial MT"/>
-              </a:rPr>
-              <a:t> </a:t>
-            </a:r>
-            <a:r>
-              <a:rPr sz="1000" spc="-5" dirty="0">
-                <a:latin typeface="Arial MT"/>
-                <a:cs typeface="Arial MT"/>
-              </a:rPr>
-              <a:t>Schwarz</a:t>
-            </a:r>
-            <a:endParaRPr sz="1000">
-              <a:latin typeface="Arial MT"/>
-              <a:cs typeface="Arial MT"/>
-            </a:endParaRPr>
-          </a:p>
-        </p:txBody>
-      </p:sp>
-      <p:sp>
-        <p:nvSpPr>
           <p:cNvPr id="4" name="object 4"/>
           <p:cNvSpPr txBox="1">
             <a:spLocks noGrp="1"/>
@@ -32613,123 +32248,6 @@
               <a:t>30</a:t>
             </a:fld>
             <a:endParaRPr spc="-5" dirty="0"/>
-          </a:p>
-        </p:txBody>
-      </p:sp>
-      <p:sp>
-        <p:nvSpPr>
-          <p:cNvPr id="5" name="object 5"/>
-          <p:cNvSpPr txBox="1"/>
-          <p:nvPr/>
-        </p:nvSpPr>
-        <p:spPr>
-          <a:xfrm>
-            <a:off x="2119376" y="4857794"/>
-            <a:ext cx="2887345" cy="167005"/>
-          </a:xfrm>
-          <a:prstGeom prst="rect">
-            <a:avLst/>
-          </a:prstGeom>
-        </p:spPr>
-        <p:txBody>
-          <a:bodyPr vert="horz" wrap="square" lIns="0" tIns="0" rIns="0" bIns="0" rtlCol="0">
-            <a:spAutoFit/>
-          </a:bodyPr>
-          <a:lstStyle/>
-          <a:p>
-            <a:pPr marL="12700">
-              <a:lnSpc>
-                <a:spcPct val="100000"/>
-              </a:lnSpc>
-            </a:pPr>
-            <a:r>
-              <a:rPr sz="1000" spc="-10" dirty="0">
-                <a:latin typeface="Arial MT"/>
-                <a:cs typeface="Arial MT"/>
-              </a:rPr>
-              <a:t>12/06/2023</a:t>
-            </a:r>
-            <a:r>
-              <a:rPr sz="1000" spc="509" dirty="0">
-                <a:latin typeface="Arial MT"/>
-                <a:cs typeface="Arial MT"/>
-              </a:rPr>
-              <a:t> </a:t>
-            </a:r>
-            <a:r>
-              <a:rPr sz="1000" spc="-5" dirty="0">
-                <a:latin typeface="Arial MT"/>
-                <a:cs typeface="Arial MT"/>
-              </a:rPr>
-              <a:t>5G</a:t>
-            </a:r>
-            <a:r>
-              <a:rPr sz="1000" spc="-15" dirty="0">
-                <a:latin typeface="Arial MT"/>
-                <a:cs typeface="Arial MT"/>
-              </a:rPr>
-              <a:t> </a:t>
-            </a:r>
-            <a:r>
-              <a:rPr sz="1000" spc="-5" dirty="0">
-                <a:latin typeface="Arial MT"/>
-                <a:cs typeface="Arial MT"/>
-              </a:rPr>
-              <a:t>based</a:t>
-            </a:r>
-            <a:r>
-              <a:rPr sz="1000" spc="-15" dirty="0">
-                <a:latin typeface="Arial MT"/>
-                <a:cs typeface="Arial MT"/>
-              </a:rPr>
-              <a:t> </a:t>
-            </a:r>
-            <a:r>
-              <a:rPr sz="1000" spc="-5" dirty="0">
-                <a:latin typeface="Arial MT"/>
-                <a:cs typeface="Arial MT"/>
-              </a:rPr>
-              <a:t>PNT</a:t>
-            </a:r>
-            <a:r>
-              <a:rPr sz="1000" spc="15" dirty="0">
-                <a:latin typeface="Arial MT"/>
-                <a:cs typeface="Arial MT"/>
-              </a:rPr>
-              <a:t> </a:t>
-            </a:r>
-            <a:r>
-              <a:rPr sz="1000" spc="-5" dirty="0">
-                <a:latin typeface="Arial MT"/>
-                <a:cs typeface="Arial MT"/>
-              </a:rPr>
-              <a:t>Using</a:t>
-            </a:r>
-            <a:r>
-              <a:rPr sz="1000" dirty="0">
-                <a:latin typeface="Arial MT"/>
-                <a:cs typeface="Arial MT"/>
-              </a:rPr>
-              <a:t> TV</a:t>
-            </a:r>
-            <a:r>
-              <a:rPr sz="1000" spc="-20" dirty="0">
-                <a:latin typeface="Arial MT"/>
-                <a:cs typeface="Arial MT"/>
-              </a:rPr>
-              <a:t> </a:t>
-            </a:r>
-            <a:r>
-              <a:rPr sz="1000" spc="-5" dirty="0">
-                <a:latin typeface="Arial MT"/>
-                <a:cs typeface="Arial MT"/>
-              </a:rPr>
-              <a:t>Transmitters</a:t>
-            </a:r>
-            <a:endParaRPr sz="1000">
-              <a:latin typeface="Arial MT"/>
-              <a:cs typeface="Arial MT"/>
-            </a:endParaRPr>
           </a:p>
         </p:txBody>
       </p:sp>
@@ -38428,74 +37946,6 @@
       </p:pic>
       <p:sp>
         <p:nvSpPr>
-          <p:cNvPr id="8" name="object 8"/>
-          <p:cNvSpPr txBox="1"/>
-          <p:nvPr/>
-        </p:nvSpPr>
-        <p:spPr>
-          <a:xfrm>
-            <a:off x="957783" y="4853527"/>
-            <a:ext cx="1035050" cy="167005"/>
-          </a:xfrm>
-          <a:prstGeom prst="rect">
-            <a:avLst/>
-          </a:prstGeom>
-        </p:spPr>
-        <p:txBody>
-          <a:bodyPr vert="horz" wrap="square" lIns="0" tIns="0" rIns="0" bIns="0" rtlCol="0">
-            <a:spAutoFit/>
-          </a:bodyPr>
-          <a:lstStyle/>
-          <a:p>
-            <a:pPr marL="12700">
-              <a:lnSpc>
-                <a:spcPct val="100000"/>
-              </a:lnSpc>
-            </a:pPr>
-            <a:r>
-              <a:rPr sz="1000" spc="-5" dirty="0">
-                <a:latin typeface="Arial MT"/>
-                <a:cs typeface="Arial MT"/>
-              </a:rPr>
-              <a:t>Rohde</a:t>
-            </a:r>
-            <a:r>
-              <a:rPr sz="1000" spc="-45" dirty="0">
-                <a:latin typeface="Arial MT"/>
-                <a:cs typeface="Arial MT"/>
-              </a:rPr>
-              <a:t> </a:t>
-            </a:r>
-            <a:r>
-              <a:rPr sz="1000" spc="-5" dirty="0">
-                <a:latin typeface="Arial MT"/>
-                <a:cs typeface="Arial MT"/>
-              </a:rPr>
-              <a:t>&amp;</a:t>
-            </a:r>
-            <a:r>
-              <a:rPr sz="1000" spc="-45" dirty="0">
-                <a:latin typeface="Arial MT"/>
-                <a:cs typeface="Arial MT"/>
-              </a:rPr>
-              <a:t> </a:t>
-            </a:r>
-            <a:r>
-              <a:rPr sz="1000" spc="-5" dirty="0">
-                <a:latin typeface="Arial MT"/>
-                <a:cs typeface="Arial MT"/>
-              </a:rPr>
-              <a:t>Schwarz</a:t>
-            </a:r>
-            <a:endParaRPr sz="1000">
-              <a:latin typeface="Arial MT"/>
-              <a:cs typeface="Arial MT"/>
-            </a:endParaRPr>
-          </a:p>
-        </p:txBody>
-      </p:sp>
-      <p:sp>
-        <p:nvSpPr>
           <p:cNvPr id="9" name="object 9"/>
           <p:cNvSpPr txBox="1">
             <a:spLocks noGrp="1"/>
@@ -38525,123 +37975,6 @@
               <a:t>4</a:t>
             </a:fld>
             <a:endParaRPr spc="-5" dirty="0"/>
-          </a:p>
-        </p:txBody>
-      </p:sp>
-      <p:sp>
-        <p:nvSpPr>
-          <p:cNvPr id="10" name="object 10"/>
-          <p:cNvSpPr txBox="1"/>
-          <p:nvPr/>
-        </p:nvSpPr>
-        <p:spPr>
-          <a:xfrm>
-            <a:off x="2119376" y="4857794"/>
-            <a:ext cx="2887345" cy="167005"/>
-          </a:xfrm>
-          <a:prstGeom prst="rect">
-            <a:avLst/>
-          </a:prstGeom>
-        </p:spPr>
-        <p:txBody>
-          <a:bodyPr vert="horz" wrap="square" lIns="0" tIns="0" rIns="0" bIns="0" rtlCol="0">
-            <a:spAutoFit/>
-          </a:bodyPr>
-          <a:lstStyle/>
-          <a:p>
-            <a:pPr marL="12700">
-              <a:lnSpc>
-                <a:spcPct val="100000"/>
-              </a:lnSpc>
-            </a:pPr>
-            <a:r>
-              <a:rPr sz="1000" spc="-10" dirty="0">
-                <a:latin typeface="Arial MT"/>
-                <a:cs typeface="Arial MT"/>
-              </a:rPr>
-              <a:t>12/06/2023</a:t>
-            </a:r>
-            <a:r>
-              <a:rPr sz="1000" spc="509" dirty="0">
-                <a:latin typeface="Arial MT"/>
-                <a:cs typeface="Arial MT"/>
-              </a:rPr>
-              <a:t> </a:t>
-            </a:r>
-            <a:r>
-              <a:rPr sz="1000" spc="-5" dirty="0">
-                <a:latin typeface="Arial MT"/>
-                <a:cs typeface="Arial MT"/>
-              </a:rPr>
-              <a:t>5G</a:t>
-            </a:r>
-            <a:r>
-              <a:rPr sz="1000" spc="-15" dirty="0">
-                <a:latin typeface="Arial MT"/>
-                <a:cs typeface="Arial MT"/>
-              </a:rPr>
-              <a:t> </a:t>
-            </a:r>
-            <a:r>
-              <a:rPr sz="1000" spc="-5" dirty="0">
-                <a:latin typeface="Arial MT"/>
-                <a:cs typeface="Arial MT"/>
-              </a:rPr>
-              <a:t>based</a:t>
-            </a:r>
-            <a:r>
-              <a:rPr sz="1000" spc="-15" dirty="0">
-                <a:latin typeface="Arial MT"/>
-                <a:cs typeface="Arial MT"/>
-              </a:rPr>
-              <a:t> </a:t>
-            </a:r>
-            <a:r>
-              <a:rPr sz="1000" spc="-5" dirty="0">
-                <a:latin typeface="Arial MT"/>
-                <a:cs typeface="Arial MT"/>
-              </a:rPr>
-              <a:t>PNT</a:t>
-            </a:r>
-            <a:r>
-              <a:rPr sz="1000" spc="15" dirty="0">
-                <a:latin typeface="Arial MT"/>
-                <a:cs typeface="Arial MT"/>
-              </a:rPr>
-              <a:t> </a:t>
-            </a:r>
-            <a:r>
-              <a:rPr sz="1000" spc="-5" dirty="0">
-                <a:latin typeface="Arial MT"/>
-                <a:cs typeface="Arial MT"/>
-              </a:rPr>
-              <a:t>Using</a:t>
-            </a:r>
-            <a:r>
-              <a:rPr sz="1000" dirty="0">
-                <a:latin typeface="Arial MT"/>
-                <a:cs typeface="Arial MT"/>
-              </a:rPr>
-              <a:t> TV</a:t>
-            </a:r>
-            <a:r>
-              <a:rPr sz="1000" spc="-20" dirty="0">
-                <a:latin typeface="Arial MT"/>
-                <a:cs typeface="Arial MT"/>
-              </a:rPr>
-              <a:t> </a:t>
-            </a:r>
-            <a:r>
-              <a:rPr sz="1000" spc="-5" dirty="0">
-                <a:latin typeface="Arial MT"/>
-                <a:cs typeface="Arial MT"/>
-              </a:rPr>
-              <a:t>Transmitters</a:t>
-            </a:r>
-            <a:endParaRPr sz="1000">
-              <a:latin typeface="Arial MT"/>
-              <a:cs typeface="Arial MT"/>
-            </a:endParaRPr>
           </a:p>
         </p:txBody>
       </p:sp>
@@ -39612,7 +38945,7 @@
         <p:spPr>
           <a:xfrm>
             <a:off x="347268" y="558749"/>
-            <a:ext cx="2198370" cy="437515"/>
+            <a:ext cx="4300932" cy="437515"/>
           </a:xfrm>
           <a:prstGeom prst="rect">
             <a:avLst/>
@@ -39947,74 +39280,6 @@
       </p:sp>
       <p:sp>
         <p:nvSpPr>
-          <p:cNvPr id="5" name="object 5"/>
-          <p:cNvSpPr txBox="1"/>
-          <p:nvPr/>
-        </p:nvSpPr>
-        <p:spPr>
-          <a:xfrm>
-            <a:off x="957783" y="4853527"/>
-            <a:ext cx="1035050" cy="167005"/>
-          </a:xfrm>
-          <a:prstGeom prst="rect">
-            <a:avLst/>
-          </a:prstGeom>
-        </p:spPr>
-        <p:txBody>
-          <a:bodyPr vert="horz" wrap="square" lIns="0" tIns="0" rIns="0" bIns="0" rtlCol="0">
-            <a:spAutoFit/>
-          </a:bodyPr>
-          <a:lstStyle/>
-          <a:p>
-            <a:pPr marL="12700">
-              <a:lnSpc>
-                <a:spcPct val="100000"/>
-              </a:lnSpc>
-            </a:pPr>
-            <a:r>
-              <a:rPr sz="1000" spc="-5" dirty="0">
-                <a:latin typeface="Arial MT"/>
-                <a:cs typeface="Arial MT"/>
-              </a:rPr>
-              <a:t>Rohde</a:t>
-            </a:r>
-            <a:r>
-              <a:rPr sz="1000" spc="-45" dirty="0">
-                <a:latin typeface="Arial MT"/>
-                <a:cs typeface="Arial MT"/>
-              </a:rPr>
-              <a:t> </a:t>
-            </a:r>
-            <a:r>
-              <a:rPr sz="1000" spc="-5" dirty="0">
-                <a:latin typeface="Arial MT"/>
-                <a:cs typeface="Arial MT"/>
-              </a:rPr>
-              <a:t>&amp;</a:t>
-            </a:r>
-            <a:r>
-              <a:rPr sz="1000" spc="-45" dirty="0">
-                <a:latin typeface="Arial MT"/>
-                <a:cs typeface="Arial MT"/>
-              </a:rPr>
-              <a:t> </a:t>
-            </a:r>
-            <a:r>
-              <a:rPr sz="1000" spc="-5" dirty="0">
-                <a:latin typeface="Arial MT"/>
-                <a:cs typeface="Arial MT"/>
-              </a:rPr>
-              <a:t>Schwarz</a:t>
-            </a:r>
-            <a:endParaRPr sz="1000">
-              <a:latin typeface="Arial MT"/>
-              <a:cs typeface="Arial MT"/>
-            </a:endParaRPr>
-          </a:p>
-        </p:txBody>
-      </p:sp>
-      <p:sp>
-        <p:nvSpPr>
           <p:cNvPr id="6" name="object 6"/>
           <p:cNvSpPr txBox="1">
             <a:spLocks noGrp="1"/>
@@ -40044,123 +39309,6 @@
               <a:t>6</a:t>
             </a:fld>
             <a:endParaRPr spc="-5" dirty="0"/>
-          </a:p>
-        </p:txBody>
-      </p:sp>
-      <p:sp>
-        <p:nvSpPr>
-          <p:cNvPr id="7" name="object 7"/>
-          <p:cNvSpPr txBox="1"/>
-          <p:nvPr/>
-        </p:nvSpPr>
-        <p:spPr>
-          <a:xfrm>
-            <a:off x="2119376" y="4857794"/>
-            <a:ext cx="2887345" cy="167005"/>
-          </a:xfrm>
-          <a:prstGeom prst="rect">
-            <a:avLst/>
-          </a:prstGeom>
-        </p:spPr>
-        <p:txBody>
-          <a:bodyPr vert="horz" wrap="square" lIns="0" tIns="0" rIns="0" bIns="0" rtlCol="0">
-            <a:spAutoFit/>
-          </a:bodyPr>
-          <a:lstStyle/>
-          <a:p>
-            <a:pPr marL="12700">
-              <a:lnSpc>
-                <a:spcPct val="100000"/>
-              </a:lnSpc>
-            </a:pPr>
-            <a:r>
-              <a:rPr sz="1000" spc="-10" dirty="0">
-                <a:latin typeface="Arial MT"/>
-                <a:cs typeface="Arial MT"/>
-              </a:rPr>
-              <a:t>12/06/2023</a:t>
-            </a:r>
-            <a:r>
-              <a:rPr sz="1000" spc="509" dirty="0">
-                <a:latin typeface="Arial MT"/>
-                <a:cs typeface="Arial MT"/>
-              </a:rPr>
-              <a:t> </a:t>
-            </a:r>
-            <a:r>
-              <a:rPr sz="1000" spc="-5" dirty="0">
-                <a:latin typeface="Arial MT"/>
-                <a:cs typeface="Arial MT"/>
-              </a:rPr>
-              <a:t>5G</a:t>
-            </a:r>
-            <a:r>
-              <a:rPr sz="1000" spc="-15" dirty="0">
-                <a:latin typeface="Arial MT"/>
-                <a:cs typeface="Arial MT"/>
-              </a:rPr>
-              <a:t> </a:t>
-            </a:r>
-            <a:r>
-              <a:rPr sz="1000" spc="-5" dirty="0">
-                <a:latin typeface="Arial MT"/>
-                <a:cs typeface="Arial MT"/>
-              </a:rPr>
-              <a:t>based</a:t>
-            </a:r>
-            <a:r>
-              <a:rPr sz="1000" spc="-15" dirty="0">
-                <a:latin typeface="Arial MT"/>
-                <a:cs typeface="Arial MT"/>
-              </a:rPr>
-              <a:t> </a:t>
-            </a:r>
-            <a:r>
-              <a:rPr sz="1000" spc="-5" dirty="0">
-                <a:latin typeface="Arial MT"/>
-                <a:cs typeface="Arial MT"/>
-              </a:rPr>
-              <a:t>PNT</a:t>
-            </a:r>
-            <a:r>
-              <a:rPr sz="1000" spc="15" dirty="0">
-                <a:latin typeface="Arial MT"/>
-                <a:cs typeface="Arial MT"/>
-              </a:rPr>
-              <a:t> </a:t>
-            </a:r>
-            <a:r>
-              <a:rPr sz="1000" spc="-5" dirty="0">
-                <a:latin typeface="Arial MT"/>
-                <a:cs typeface="Arial MT"/>
-              </a:rPr>
-              <a:t>Using</a:t>
-            </a:r>
-            <a:r>
-              <a:rPr sz="1000" dirty="0">
-                <a:latin typeface="Arial MT"/>
-                <a:cs typeface="Arial MT"/>
-              </a:rPr>
-              <a:t> TV</a:t>
-            </a:r>
-            <a:r>
-              <a:rPr sz="1000" spc="-20" dirty="0">
-                <a:latin typeface="Arial MT"/>
-                <a:cs typeface="Arial MT"/>
-              </a:rPr>
-              <a:t> </a:t>
-            </a:r>
-            <a:r>
-              <a:rPr sz="1000" spc="-5" dirty="0">
-                <a:latin typeface="Arial MT"/>
-                <a:cs typeface="Arial MT"/>
-              </a:rPr>
-              <a:t>Transmitters</a:t>
-            </a:r>
-            <a:endParaRPr sz="1000">
-              <a:latin typeface="Arial MT"/>
-              <a:cs typeface="Arial MT"/>
-            </a:endParaRPr>
           </a:p>
         </p:txBody>
       </p:sp>
